--- a/assignment_1.pptx
+++ b/assignment_1.pptx
@@ -214,7 +214,7 @@
           <a:p>
             <a:fld id="{E6EDB0A4-D68D-4B5D-8C98-D895218E3D1C}" type="datetimeFigureOut">
               <a:rPr lang="zh-CN" altLang="en-US" smtClean="0"/>
-              <a:t>2023/10/8</a:t>
+              <a:t>2023/10/17</a:t>
             </a:fld>
             <a:endParaRPr lang="zh-CN" altLang="en-US"/>
           </a:p>
@@ -2422,7 +2422,7 @@
           <a:p>
             <a:fld id="{76EF9AE8-7A3C-4E0C-9421-39F67F60FAF4}" type="datetimeFigureOut">
               <a:rPr lang="zh-CN" altLang="en-US" smtClean="0"/>
-              <a:t>2023/10/8</a:t>
+              <a:t>2023/10/17</a:t>
             </a:fld>
             <a:endParaRPr lang="zh-CN" altLang="en-US"/>
           </a:p>
@@ -2620,7 +2620,7 @@
           <a:p>
             <a:fld id="{76EF9AE8-7A3C-4E0C-9421-39F67F60FAF4}" type="datetimeFigureOut">
               <a:rPr lang="zh-CN" altLang="en-US" smtClean="0"/>
-              <a:t>2023/10/8</a:t>
+              <a:t>2023/10/17</a:t>
             </a:fld>
             <a:endParaRPr lang="zh-CN" altLang="en-US"/>
           </a:p>
@@ -2828,7 +2828,7 @@
           <a:p>
             <a:fld id="{76EF9AE8-7A3C-4E0C-9421-39F67F60FAF4}" type="datetimeFigureOut">
               <a:rPr lang="zh-CN" altLang="en-US" smtClean="0"/>
-              <a:t>2023/10/8</a:t>
+              <a:t>2023/10/17</a:t>
             </a:fld>
             <a:endParaRPr lang="zh-CN" altLang="en-US"/>
           </a:p>
@@ -5142,7 +5142,7 @@
           <a:p>
             <a:fld id="{76EF9AE8-7A3C-4E0C-9421-39F67F60FAF4}" type="datetimeFigureOut">
               <a:rPr lang="zh-CN" altLang="en-US" smtClean="0"/>
-              <a:t>2023/10/8</a:t>
+              <a:t>2023/10/17</a:t>
             </a:fld>
             <a:endParaRPr lang="zh-CN" altLang="en-US"/>
           </a:p>
@@ -6178,7 +6178,7 @@
           <a:p>
             <a:fld id="{76EF9AE8-7A3C-4E0C-9421-39F67F60FAF4}" type="datetimeFigureOut">
               <a:rPr lang="zh-CN" altLang="en-US" smtClean="0"/>
-              <a:t>2023/10/8</a:t>
+              <a:t>2023/10/17</a:t>
             </a:fld>
             <a:endParaRPr lang="zh-CN" altLang="en-US"/>
           </a:p>
@@ -6443,7 +6443,7 @@
           <a:p>
             <a:fld id="{76EF9AE8-7A3C-4E0C-9421-39F67F60FAF4}" type="datetimeFigureOut">
               <a:rPr lang="zh-CN" altLang="en-US" smtClean="0"/>
-              <a:t>2023/10/8</a:t>
+              <a:t>2023/10/17</a:t>
             </a:fld>
             <a:endParaRPr lang="zh-CN" altLang="en-US"/>
           </a:p>
@@ -6855,7 +6855,7 @@
           <a:p>
             <a:fld id="{76EF9AE8-7A3C-4E0C-9421-39F67F60FAF4}" type="datetimeFigureOut">
               <a:rPr lang="zh-CN" altLang="en-US" smtClean="0"/>
-              <a:t>2023/10/8</a:t>
+              <a:t>2023/10/17</a:t>
             </a:fld>
             <a:endParaRPr lang="zh-CN" altLang="en-US"/>
           </a:p>
@@ -6996,7 +6996,7 @@
           <a:p>
             <a:fld id="{76EF9AE8-7A3C-4E0C-9421-39F67F60FAF4}" type="datetimeFigureOut">
               <a:rPr lang="zh-CN" altLang="en-US" smtClean="0"/>
-              <a:t>2023/10/8</a:t>
+              <a:t>2023/10/17</a:t>
             </a:fld>
             <a:endParaRPr lang="zh-CN" altLang="en-US"/>
           </a:p>
@@ -7109,7 +7109,7 @@
           <a:p>
             <a:fld id="{76EF9AE8-7A3C-4E0C-9421-39F67F60FAF4}" type="datetimeFigureOut">
               <a:rPr lang="zh-CN" altLang="en-US" smtClean="0"/>
-              <a:t>2023/10/8</a:t>
+              <a:t>2023/10/17</a:t>
             </a:fld>
             <a:endParaRPr lang="zh-CN" altLang="en-US"/>
           </a:p>
@@ -7420,7 +7420,7 @@
           <a:p>
             <a:fld id="{76EF9AE8-7A3C-4E0C-9421-39F67F60FAF4}" type="datetimeFigureOut">
               <a:rPr lang="zh-CN" altLang="en-US" smtClean="0"/>
-              <a:t>2023/10/8</a:t>
+              <a:t>2023/10/17</a:t>
             </a:fld>
             <a:endParaRPr lang="zh-CN" altLang="en-US"/>
           </a:p>
@@ -7708,7 +7708,7 @@
           <a:p>
             <a:fld id="{76EF9AE8-7A3C-4E0C-9421-39F67F60FAF4}" type="datetimeFigureOut">
               <a:rPr lang="zh-CN" altLang="en-US" smtClean="0"/>
-              <a:t>2023/10/8</a:t>
+              <a:t>2023/10/17</a:t>
             </a:fld>
             <a:endParaRPr lang="zh-CN" altLang="en-US"/>
           </a:p>
@@ -7949,7 +7949,7 @@
           <a:p>
             <a:fld id="{76EF9AE8-7A3C-4E0C-9421-39F67F60FAF4}" type="datetimeFigureOut">
               <a:rPr lang="zh-CN" altLang="en-US" smtClean="0"/>
-              <a:t>2023/10/8</a:t>
+              <a:t>2023/10/17</a:t>
             </a:fld>
             <a:endParaRPr lang="zh-CN" altLang="en-US"/>
           </a:p>
@@ -24850,7 +24850,7 @@
           <p:nvPr>
             <p:extLst>
               <p:ext uri="{D42A27DB-BD31-4B8C-83A1-F6EECF244321}">
-                <p14:modId xmlns:p14="http://schemas.microsoft.com/office/powerpoint/2010/main" val="3134514085"/>
+                <p14:modId xmlns:p14="http://schemas.microsoft.com/office/powerpoint/2010/main" val="2763452792"/>
               </p:ext>
             </p:extLst>
           </p:nvPr>
@@ -26880,8 +26880,47 @@
                           <a:latin typeface="Times New Roman" panose="02020603050405020304" pitchFamily="18" charset="0"/>
                           <a:cs typeface="Times New Roman" panose="02020603050405020304" pitchFamily="18" charset="0"/>
                         </a:rPr>
-                        <a:t>Tennant</a:t>
+                        <a:t>Tennant,</a:t>
                       </a:r>
+                      <a:r>
+                        <a:rPr kumimoji="0" lang="zh-CN" altLang="en-US" sz="1400" b="0" i="0" u="none" strike="noStrike" cap="none" normalizeH="0" baseline="0" dirty="0">
+                          <a:ln>
+                            <a:noFill/>
+                          </a:ln>
+                          <a:solidFill>
+                            <a:schemeClr val="tx1"/>
+                          </a:solidFill>
+                          <a:effectLst/>
+                          <a:latin typeface="Times New Roman" panose="02020603050405020304" pitchFamily="18" charset="0"/>
+                          <a:cs typeface="Times New Roman" panose="02020603050405020304" pitchFamily="18" charset="0"/>
+                        </a:rPr>
+                        <a:t> </a:t>
+                      </a:r>
+                      <a:r>
+                        <a:rPr kumimoji="0" lang="en-US" altLang="zh-CN" sz="1400" b="0" i="0" u="none" strike="noStrike" cap="none" normalizeH="0" baseline="0" dirty="0">
+                          <a:ln>
+                            <a:noFill/>
+                          </a:ln>
+                          <a:solidFill>
+                            <a:schemeClr val="bg2"/>
+                          </a:solidFill>
+                          <a:effectLst/>
+                          <a:latin typeface="Times New Roman" panose="02020603050405020304" pitchFamily="18" charset="0"/>
+                          <a:cs typeface="Times New Roman" panose="02020603050405020304" pitchFamily="18" charset="0"/>
+                        </a:rPr>
+                        <a:t>database</a:t>
+                      </a:r>
+                      <a:endParaRPr kumimoji="0" lang="en-US" altLang="en-US" sz="1400" b="0" i="0" u="none" strike="noStrike" cap="none" normalizeH="0" baseline="0" dirty="0">
+                        <a:ln>
+                          <a:noFill/>
+                        </a:ln>
+                        <a:solidFill>
+                          <a:schemeClr val="bg2"/>
+                        </a:solidFill>
+                        <a:effectLst/>
+                        <a:latin typeface="Times New Roman" panose="02020603050405020304" pitchFamily="18" charset="0"/>
+                        <a:cs typeface="Times New Roman" panose="02020603050405020304" pitchFamily="18" charset="0"/>
+                      </a:endParaRPr>
                     </a:p>
                   </a:txBody>
                   <a:tcPr marL="70647" marR="35631" marT="0" marB="0" anchor="ctr" horzOverflow="overflow">
